--- a/ttlkh.pptx
+++ b/ttlkh.pptx
@@ -4245,8 +4245,8 @@
           </a:p>
         </p:txBody>
       </p:sp>
-      <mc:AlternateContent xmlns:mc="http://schemas.openxmlformats.org/markup-compatibility/2006" xmlns:a14="http://schemas.microsoft.com/office/drawing/2010/main">
-        <mc:Choice Requires="a14">
+      <mc:AlternateContent xmlns:mc="http://schemas.openxmlformats.org/markup-compatibility/2006">
+        <mc:Choice xmlns:a14="http://schemas.microsoft.com/office/drawing/2010/main" Requires="a14">
           <p:sp>
             <p:nvSpPr>
               <p:cNvPr id="3" name="Chỗ dành sẵn cho Nội dung 2">
@@ -5169,7 +5169,7 @@
                                 </a:solidFill>
                                 <a:latin typeface="Cambria Math" panose="02040503050406030204" pitchFamily="18" charset="0"/>
                               </a:rPr>
-                              <m:t>𝑦</m:t>
+                              <m:t>𝑌</m:t>
                             </m:r>
                             <m:d>
                               <m:dPr>
@@ -5212,7 +5212,7 @@
                                 </a:solidFill>
                                 <a:latin typeface="Cambria Math" panose="02040503050406030204" pitchFamily="18" charset="0"/>
                               </a:rPr>
-                              <m:t>𝑦</m:t>
+                              <m:t>𝑌</m:t>
                             </m:r>
                             <m:d>
                               <m:dPr>
@@ -5273,7 +5273,7 @@
                                 </a:solidFill>
                                 <a:latin typeface="Cambria Math" panose="02040503050406030204" pitchFamily="18" charset="0"/>
                               </a:rPr>
-                              <m:t>𝑥</m:t>
+                              <m:t>𝑋</m:t>
                             </m:r>
                             <m:d>
                               <m:dPr>
@@ -5330,10 +5330,10 @@
                           </m:e>
                           <m:e>
                             <m:r>
-                              <a:rPr lang="en-US" sz="2000" i="1" dirty="0">
+                              <a:rPr lang="en-US" sz="2000" b="0" i="1" dirty="0" smtClean="0">
                                 <a:latin typeface="Cambria Math" panose="02040503050406030204" pitchFamily="18" charset="0"/>
                               </a:rPr>
-                              <m:t>𝑦</m:t>
+                              <m:t>𝑌</m:t>
                             </m:r>
                             <m:d>
                               <m:dPr>
@@ -5361,10 +5361,10 @@
                               <m:t>+</m:t>
                             </m:r>
                             <m:r>
-                              <a:rPr lang="en-US" sz="2000" i="1" dirty="0">
+                              <a:rPr lang="en-US" sz="2000" b="0" i="1" dirty="0" smtClean="0">
                                 <a:latin typeface="Cambria Math" panose="02040503050406030204" pitchFamily="18" charset="0"/>
                               </a:rPr>
-                              <m:t>𝑦</m:t>
+                              <m:t>𝑌</m:t>
                             </m:r>
                             <m:d>
                               <m:dPr>
@@ -5404,10 +5404,10 @@
                               <m:t>(</m:t>
                             </m:r>
                             <m:r>
-                              <a:rPr lang="en-US" sz="2000" i="1" dirty="0">
+                              <a:rPr lang="en-US" sz="2000" b="0" i="1" dirty="0" smtClean="0">
                                 <a:latin typeface="Cambria Math" panose="02040503050406030204" pitchFamily="18" charset="0"/>
                               </a:rPr>
-                              <m:t>𝑥</m:t>
+                              <m:t>𝑋</m:t>
                             </m:r>
                             <m:d>
                               <m:dPr>
@@ -5727,7 +5727,7 @@
             </p:txBody>
           </p:sp>
         </mc:Choice>
-        <mc:Fallback xmlns="">
+        <mc:Fallback>
           <p:sp>
             <p:nvSpPr>
               <p:cNvPr id="3" name="Chỗ dành sẵn cho Nội dung 2">
@@ -5825,8 +5825,8 @@
           </a:p>
         </p:txBody>
       </p:sp>
-      <mc:AlternateContent xmlns:mc="http://schemas.openxmlformats.org/markup-compatibility/2006" xmlns:a14="http://schemas.microsoft.com/office/drawing/2010/main">
-        <mc:Choice Requires="a14">
+      <mc:AlternateContent xmlns:mc="http://schemas.openxmlformats.org/markup-compatibility/2006">
+        <mc:Choice xmlns:a14="http://schemas.microsoft.com/office/drawing/2010/main" Requires="a14">
           <p:sp>
             <p:nvSpPr>
               <p:cNvPr id="3" name="Chỗ dành sẵn cho Nội dung 2">
@@ -6370,11 +6370,11 @@
                               </m:sup>
                               <m:e>
                                 <m:r>
-                                  <a:rPr lang="en-US" sz="2000" i="1">
+                                  <a:rPr lang="en-US" sz="2000" b="0" i="1" smtClean="0">
                                     <a:latin typeface="Cambria Math" panose="02040503050406030204" pitchFamily="18" charset="0"/>
                                     <a:sym typeface="Wingdings" panose="05000000000000000000" pitchFamily="2" charset="2"/>
                                   </a:rPr>
-                                  <m:t>𝑥</m:t>
+                                  <m:t>𝑋</m:t>
                                 </m:r>
                               </m:e>
                             </m:nary>
@@ -6440,7 +6440,7 @@
                                 </a:solidFill>
                                 <a:latin typeface="Cambria Math" panose="02040503050406030204" pitchFamily="18" charset="0"/>
                               </a:rPr>
-                              <m:t>𝑦</m:t>
+                              <m:t>𝑌</m:t>
                             </m:r>
                             <m:d>
                               <m:dPr>
@@ -6524,11 +6524,11 @@
                               </m:sup>
                               <m:e>
                                 <m:r>
-                                  <a:rPr lang="en-US" sz="2000" i="1">
+                                  <a:rPr lang="en-US" sz="2000" b="0" i="1" smtClean="0">
                                     <a:latin typeface="Cambria Math" panose="02040503050406030204" pitchFamily="18" charset="0"/>
                                     <a:sym typeface="Wingdings" panose="05000000000000000000" pitchFamily="2" charset="2"/>
                                   </a:rPr>
-                                  <m:t>𝑥</m:t>
+                                  <m:t>𝑋</m:t>
                                 </m:r>
                               </m:e>
                             </m:nary>
@@ -6583,7 +6583,7 @@
                               <a:rPr lang="en-US" sz="2000" b="0" i="1" dirty="0" smtClean="0">
                                 <a:latin typeface="Cambria Math" panose="02040503050406030204" pitchFamily="18" charset="0"/>
                               </a:rPr>
-                              <m:t>𝑦</m:t>
+                              <m:t>𝑌</m:t>
                             </m:r>
                             <m:r>
                               <a:rPr lang="en-US" sz="2000" b="0" i="1" dirty="0" smtClean="0">
@@ -7275,11 +7275,11 @@
                               </m:sup>
                               <m:e>
                                 <m:r>
-                                  <a:rPr lang="en-US" sz="2000" i="1">
+                                  <a:rPr lang="en-US" sz="2000" b="0" i="1" smtClean="0">
                                     <a:latin typeface="Cambria Math" panose="02040503050406030204" pitchFamily="18" charset="0"/>
                                     <a:sym typeface="Wingdings" panose="05000000000000000000" pitchFamily="2" charset="2"/>
                                   </a:rPr>
-                                  <m:t>𝑥</m:t>
+                                  <m:t>𝑋</m:t>
                                 </m:r>
                               </m:e>
                             </m:nary>
@@ -7352,7 +7352,7 @@
                                 </a:solidFill>
                                 <a:latin typeface="Cambria Math" panose="02040503050406030204" pitchFamily="18" charset="0"/>
                               </a:rPr>
-                              <m:t>𝑦</m:t>
+                              <m:t>𝑌</m:t>
                             </m:r>
                             <m:d>
                               <m:dPr>
@@ -7429,11 +7429,11 @@
                               </m:sup>
                               <m:e>
                                 <m:r>
-                                  <a:rPr lang="en-US" sz="2000" i="1">
+                                  <a:rPr lang="en-US" sz="2000" b="0" i="1" smtClean="0">
                                     <a:latin typeface="Cambria Math" panose="02040503050406030204" pitchFamily="18" charset="0"/>
                                     <a:sym typeface="Wingdings" panose="05000000000000000000" pitchFamily="2" charset="2"/>
                                   </a:rPr>
-                                  <m:t>𝑥</m:t>
+                                  <m:t>𝑋</m:t>
                                 </m:r>
                               </m:e>
                             </m:nary>
@@ -7495,7 +7495,7 @@
                               <a:rPr lang="en-US" sz="2000" b="0" i="1" dirty="0" smtClean="0">
                                 <a:latin typeface="Cambria Math" panose="02040503050406030204" pitchFamily="18" charset="0"/>
                               </a:rPr>
-                              <m:t>𝑦</m:t>
+                              <m:t>𝑌</m:t>
                             </m:r>
                             <m:r>
                               <a:rPr lang="en-US" sz="2000" b="0" i="1" dirty="0" smtClean="0">
@@ -7760,7 +7760,7 @@
             </p:txBody>
           </p:sp>
         </mc:Choice>
-        <mc:Fallback xmlns="">
+        <mc:Fallback>
           <p:sp>
             <p:nvSpPr>
               <p:cNvPr id="3" name="Chỗ dành sẵn cho Nội dung 2">
@@ -7858,8 +7858,8 @@
           </a:p>
         </p:txBody>
       </p:sp>
-      <mc:AlternateContent xmlns:mc="http://schemas.openxmlformats.org/markup-compatibility/2006" xmlns:a14="http://schemas.microsoft.com/office/drawing/2010/main">
-        <mc:Choice Requires="a14">
+      <mc:AlternateContent xmlns:mc="http://schemas.openxmlformats.org/markup-compatibility/2006">
+        <mc:Choice xmlns:a14="http://schemas.microsoft.com/office/drawing/2010/main" Requires="a14">
           <p:sp>
             <p:nvSpPr>
               <p:cNvPr id="3" name="Chỗ dành sẵn cho Nội dung 2">
@@ -7949,40 +7949,61 @@
                       </a:rPr>
                       <m:t>𝑋</m:t>
                     </m:r>
+                    <m:d>
+                      <m:dPr>
+                        <m:begChr m:val="["/>
+                        <m:endChr m:val="]"/>
+                        <m:ctrlPr>
+                          <a:rPr lang="en-US" sz="2000" i="1" dirty="0" smtClean="0">
+                            <a:latin typeface="Cambria Math" panose="02040503050406030204" pitchFamily="18" charset="0"/>
+                            <a:cs typeface="Arial" panose="020B0604020202020204" pitchFamily="34" charset="0"/>
+                          </a:rPr>
+                        </m:ctrlPr>
+                      </m:dPr>
+                      <m:e>
+                        <m:r>
+                          <a:rPr lang="en-US" sz="2000" i="1" dirty="0" err="1">
+                            <a:latin typeface="Cambria Math" panose="02040503050406030204" pitchFamily="18" charset="0"/>
+                            <a:cs typeface="Arial" panose="020B0604020202020204" pitchFamily="34" charset="0"/>
+                          </a:rPr>
+                          <m:t>𝑖</m:t>
+                        </m:r>
+                        <m:r>
+                          <a:rPr lang="en-US" sz="2000" i="1" dirty="0" err="1">
+                            <a:latin typeface="Cambria Math" panose="02040503050406030204" pitchFamily="18" charset="0"/>
+                            <a:cs typeface="Arial" panose="020B0604020202020204" pitchFamily="34" charset="0"/>
+                          </a:rPr>
+                          <m:t>,</m:t>
+                        </m:r>
+                        <m:r>
+                          <a:rPr lang="en-US" sz="2000" i="1" dirty="0" err="1">
+                            <a:latin typeface="Cambria Math" panose="02040503050406030204" pitchFamily="18" charset="0"/>
+                            <a:cs typeface="Arial" panose="020B0604020202020204" pitchFamily="34" charset="0"/>
+                          </a:rPr>
+                          <m:t>𝑗</m:t>
+                        </m:r>
+                      </m:e>
+                    </m:d>
                     <m:r>
-                      <a:rPr lang="en-US" sz="2000" i="1" dirty="0" smtClean="0">
+                      <a:rPr lang="en-US" sz="2000" i="1" dirty="0">
                         <a:latin typeface="Cambria Math" panose="02040503050406030204" pitchFamily="18" charset="0"/>
                         <a:cs typeface="Arial" panose="020B0604020202020204" pitchFamily="34" charset="0"/>
                       </a:rPr>
-                      <m:t>[</m:t>
+                      <m:t>= 1 </m:t>
                     </m:r>
                     <m:r>
-                      <a:rPr lang="en-US" sz="2000" i="1" dirty="0" err="1">
+                      <a:rPr lang="en-US" sz="2000" b="0" i="1" dirty="0" smtClean="0">
                         <a:latin typeface="Cambria Math" panose="02040503050406030204" pitchFamily="18" charset="0"/>
                         <a:cs typeface="Arial" panose="020B0604020202020204" pitchFamily="34" charset="0"/>
                       </a:rPr>
-                      <m:t>𝑖</m:t>
-                    </m:r>
-                    <m:r>
-                      <a:rPr lang="en-US" sz="2000" i="1" dirty="0" err="1">
-                        <a:latin typeface="Cambria Math" panose="02040503050406030204" pitchFamily="18" charset="0"/>
-                        <a:cs typeface="Arial" panose="020B0604020202020204" pitchFamily="34" charset="0"/>
-                      </a:rPr>
-                      <m:t>,</m:t>
-                    </m:r>
-                    <m:r>
-                      <a:rPr lang="en-US" sz="2000" i="1" dirty="0" err="1">
-                        <a:latin typeface="Cambria Math" panose="02040503050406030204" pitchFamily="18" charset="0"/>
-                        <a:cs typeface="Arial" panose="020B0604020202020204" pitchFamily="34" charset="0"/>
-                      </a:rPr>
-                      <m:t>𝑗</m:t>
+                      <m:t>→</m:t>
                     </m:r>
                     <m:r>
                       <a:rPr lang="en-US" sz="2000" i="1" dirty="0">
                         <a:latin typeface="Cambria Math" panose="02040503050406030204" pitchFamily="18" charset="0"/>
                         <a:cs typeface="Arial" panose="020B0604020202020204" pitchFamily="34" charset="0"/>
                       </a:rPr>
-                      <m:t>] = 1  </m:t>
+                      <m:t> </m:t>
                     </m:r>
                     <m:r>
                       <a:rPr lang="en-US" sz="2000" i="1" dirty="0">
@@ -9106,29 +9127,34 @@
                       </a:rPr>
                       <m:t>𝑓</m:t>
                     </m:r>
+                    <m:d>
+                      <m:dPr>
+                        <m:ctrlPr>
+                          <a:rPr lang="en-US" sz="2000" i="1" dirty="0" smtClean="0">
+                            <a:latin typeface="Cambria Math" panose="02040503050406030204" pitchFamily="18" charset="0"/>
+                            <a:cs typeface="Arial" panose="020B0604020202020204" pitchFamily="34" charset="0"/>
+                            <a:sym typeface="Wingdings" panose="05000000000000000000" pitchFamily="2" charset="2"/>
+                          </a:rPr>
+                        </m:ctrlPr>
+                      </m:dPr>
+                      <m:e>
+                        <m:r>
+                          <a:rPr lang="en-US" sz="2000" i="1" dirty="0" smtClean="0">
+                            <a:latin typeface="Cambria Math" panose="02040503050406030204" pitchFamily="18" charset="0"/>
+                            <a:cs typeface="Arial" panose="020B0604020202020204" pitchFamily="34" charset="0"/>
+                            <a:sym typeface="Wingdings" panose="05000000000000000000" pitchFamily="2" charset="2"/>
+                          </a:rPr>
+                          <m:t>𝑋</m:t>
+                        </m:r>
+                      </m:e>
+                    </m:d>
                     <m:r>
                       <a:rPr lang="en-US" sz="2000" i="1" dirty="0" smtClean="0">
                         <a:latin typeface="Cambria Math" panose="02040503050406030204" pitchFamily="18" charset="0"/>
                         <a:cs typeface="Arial" panose="020B0604020202020204" pitchFamily="34" charset="0"/>
                         <a:sym typeface="Wingdings" panose="05000000000000000000" pitchFamily="2" charset="2"/>
                       </a:rPr>
-                      <m:t>(</m:t>
-                    </m:r>
-                    <m:r>
-                      <a:rPr lang="en-US" sz="2000" i="1" dirty="0" smtClean="0">
-                        <a:latin typeface="Cambria Math" panose="02040503050406030204" pitchFamily="18" charset="0"/>
-                        <a:cs typeface="Arial" panose="020B0604020202020204" pitchFamily="34" charset="0"/>
-                        <a:sym typeface="Wingdings" panose="05000000000000000000" pitchFamily="2" charset="2"/>
-                      </a:rPr>
-                      <m:t>𝑋</m:t>
-                    </m:r>
-                    <m:r>
-                      <a:rPr lang="en-US" sz="2000" i="1" dirty="0" smtClean="0">
-                        <a:latin typeface="Cambria Math" panose="02040503050406030204" pitchFamily="18" charset="0"/>
-                        <a:cs typeface="Arial" panose="020B0604020202020204" pitchFamily="34" charset="0"/>
-                        <a:sym typeface="Wingdings" panose="05000000000000000000" pitchFamily="2" charset="2"/>
-                      </a:rPr>
-                      <m:t>) = </m:t>
+                      <m:t>= </m:t>
                     </m:r>
                     <m:nary>
                       <m:naryPr>
@@ -9282,41 +9308,39 @@
                               </a:rPr>
                               <m:t>𝑑</m:t>
                             </m:r>
-                            <m:r>
-                              <a:rPr lang="en-US" sz="2000" i="1">
-                                <a:latin typeface="Cambria Math" panose="02040503050406030204" pitchFamily="18" charset="0"/>
-                                <a:cs typeface="Arial" panose="020B0604020202020204" pitchFamily="34" charset="0"/>
-                              </a:rPr>
-                              <m:t>(</m:t>
-                            </m:r>
-                            <m:r>
-                              <a:rPr lang="en-US" sz="2000" i="1">
-                                <a:latin typeface="Cambria Math" panose="02040503050406030204" pitchFamily="18" charset="0"/>
-                                <a:cs typeface="Arial" panose="020B0604020202020204" pitchFamily="34" charset="0"/>
-                              </a:rPr>
-                              <m:t>𝑖</m:t>
-                            </m:r>
-                            <m:r>
-                              <a:rPr lang="en-US" sz="2000" i="1">
-                                <a:latin typeface="Cambria Math" panose="02040503050406030204" pitchFamily="18" charset="0"/>
-                                <a:cs typeface="Arial" panose="020B0604020202020204" pitchFamily="34" charset="0"/>
-                              </a:rPr>
-                              <m:t>,</m:t>
-                            </m:r>
-                            <m:r>
-                              <a:rPr lang="en-US" sz="2000" i="1">
-                                <a:latin typeface="Cambria Math" panose="02040503050406030204" pitchFamily="18" charset="0"/>
-                                <a:cs typeface="Arial" panose="020B0604020202020204" pitchFamily="34" charset="0"/>
-                              </a:rPr>
-                              <m:t>𝑗</m:t>
-                            </m:r>
-                            <m:r>
-                              <a:rPr lang="en-US" sz="2000" i="1">
-                                <a:latin typeface="Cambria Math" panose="02040503050406030204" pitchFamily="18" charset="0"/>
-                                <a:cs typeface="Arial" panose="020B0604020202020204" pitchFamily="34" charset="0"/>
-                              </a:rPr>
-                              <m:t>)</m:t>
-                            </m:r>
+                            <m:d>
+                              <m:dPr>
+                                <m:ctrlPr>
+                                  <a:rPr lang="en-US" sz="2000" i="1">
+                                    <a:latin typeface="Cambria Math" panose="02040503050406030204" pitchFamily="18" charset="0"/>
+                                    <a:cs typeface="Arial" panose="020B0604020202020204" pitchFamily="34" charset="0"/>
+                                  </a:rPr>
+                                </m:ctrlPr>
+                              </m:dPr>
+                              <m:e>
+                                <m:r>
+                                  <a:rPr lang="en-US" sz="2000" i="1">
+                                    <a:latin typeface="Cambria Math" panose="02040503050406030204" pitchFamily="18" charset="0"/>
+                                    <a:cs typeface="Arial" panose="020B0604020202020204" pitchFamily="34" charset="0"/>
+                                  </a:rPr>
+                                  <m:t>𝑖</m:t>
+                                </m:r>
+                                <m:r>
+                                  <a:rPr lang="en-US" sz="2000" i="1">
+                                    <a:latin typeface="Cambria Math" panose="02040503050406030204" pitchFamily="18" charset="0"/>
+                                    <a:cs typeface="Arial" panose="020B0604020202020204" pitchFamily="34" charset="0"/>
+                                  </a:rPr>
+                                  <m:t>,</m:t>
+                                </m:r>
+                                <m:r>
+                                  <a:rPr lang="en-US" sz="2000" i="1">
+                                    <a:latin typeface="Cambria Math" panose="02040503050406030204" pitchFamily="18" charset="0"/>
+                                    <a:cs typeface="Arial" panose="020B0604020202020204" pitchFamily="34" charset="0"/>
+                                  </a:rPr>
+                                  <m:t>𝑗</m:t>
+                                </m:r>
+                              </m:e>
+                            </m:d>
                           </m:e>
                         </m:nary>
                       </m:e>
@@ -9329,12 +9353,60 @@
                       <m:t> </m:t>
                     </m:r>
                     <m:r>
-                      <a:rPr lang="en-GB" sz="2000" i="1" dirty="0">
+                      <a:rPr lang="en-US" sz="2000" b="0" i="1" dirty="0" smtClean="0">
                         <a:latin typeface="Cambria Math" panose="02040503050406030204" pitchFamily="18" charset="0"/>
                         <a:cs typeface="Arial" panose="020B0604020202020204" pitchFamily="34" charset="0"/>
-                        <a:sym typeface="Wingdings" panose="05000000000000000000" pitchFamily="2" charset="2"/>
                       </a:rPr>
-                      <m:t> </m:t>
+                      <m:t>𝑣</m:t>
+                    </m:r>
+                    <m:r>
+                      <a:rPr lang="en-US" sz="2000" b="0" i="1" dirty="0" smtClean="0">
+                        <a:latin typeface="Cambria Math" panose="02040503050406030204" pitchFamily="18" charset="0"/>
+                        <a:cs typeface="Arial" panose="020B0604020202020204" pitchFamily="34" charset="0"/>
+                      </a:rPr>
+                      <m:t>ớ</m:t>
+                    </m:r>
+                    <m:r>
+                      <a:rPr lang="en-US" sz="2000" b="0" i="1" dirty="0" smtClean="0">
+                        <a:latin typeface="Cambria Math" panose="02040503050406030204" pitchFamily="18" charset="0"/>
+                        <a:cs typeface="Arial" panose="020B0604020202020204" pitchFamily="34" charset="0"/>
+                      </a:rPr>
+                      <m:t>𝑖</m:t>
+                    </m:r>
+                    <m:r>
+                      <a:rPr lang="en-US" sz="2000" b="0" i="1" dirty="0" smtClean="0">
+                        <a:latin typeface="Cambria Math" panose="02040503050406030204" pitchFamily="18" charset="0"/>
+                        <a:cs typeface="Arial" panose="020B0604020202020204" pitchFamily="34" charset="0"/>
+                      </a:rPr>
+                      <m:t> </m:t>
+                    </m:r>
+                    <m:r>
+                      <a:rPr lang="en-US" sz="2000" b="0" i="1" dirty="0" smtClean="0">
+                        <a:latin typeface="Cambria Math" panose="02040503050406030204" pitchFamily="18" charset="0"/>
+                        <a:cs typeface="Arial" panose="020B0604020202020204" pitchFamily="34" charset="0"/>
+                      </a:rPr>
+                      <m:t>𝑖</m:t>
+                    </m:r>
+                    <m:r>
+                      <a:rPr lang="en-US" sz="2000" b="0" i="1" dirty="0" smtClean="0">
+                        <a:latin typeface="Cambria Math" panose="02040503050406030204" pitchFamily="18" charset="0"/>
+                        <a:cs typeface="Arial" panose="020B0604020202020204" pitchFamily="34" charset="0"/>
+                      </a:rPr>
+                      <m:t> ≠</m:t>
+                    </m:r>
+                    <m:r>
+                      <a:rPr lang="en-US" sz="2000" b="0" i="1" dirty="0" smtClean="0">
+                        <a:latin typeface="Cambria Math" panose="02040503050406030204" pitchFamily="18" charset="0"/>
+                        <a:cs typeface="Arial" panose="020B0604020202020204" pitchFamily="34" charset="0"/>
+                      </a:rPr>
+                      <m:t>𝑗</m:t>
+                    </m:r>
+                    <m:r>
+                      <a:rPr lang="en-US" sz="2000" b="0" i="1" dirty="0" smtClean="0">
+                        <a:latin typeface="Cambria Math" panose="02040503050406030204" pitchFamily="18" charset="0"/>
+                        <a:cs typeface="Arial" panose="020B0604020202020204" pitchFamily="34" charset="0"/>
+                      </a:rPr>
+                      <m:t>  </m:t>
                     </m:r>
                     <m:r>
                       <m:rPr>
@@ -9385,7 +9457,7 @@
             </p:txBody>
           </p:sp>
         </mc:Choice>
-        <mc:Fallback xmlns="">
+        <mc:Fallback>
           <p:sp>
             <p:nvSpPr>
               <p:cNvPr id="3" name="Chỗ dành sẵn cho Nội dung 2">
@@ -11301,15 +11373,7 @@
             </a:pPr>
             <a:r>
               <a:rPr lang="en-US" dirty="0"/>
-              <a:t>			</a:t>
-            </a:r>
-            <a:r>
-              <a:rPr lang="en-US"/>
-              <a:t>update distance </a:t>
-            </a:r>
-            <a:r>
-              <a:rPr lang="en-US" dirty="0"/>
-              <a:t>and number of items;</a:t>
+              <a:t>			update distance and number of items;</a:t>
             </a:r>
           </a:p>
           <a:p>
@@ -26857,6 +26921,14 @@
             </a:r>
             <a:r>
               <a:rPr lang="en-US" dirty="0"/>
+              <a:t> </a:t>
+            </a:r>
+            <a:r>
+              <a:rPr lang="en-US" dirty="0" err="1"/>
+              <a:t>toán</a:t>
+            </a:r>
+            <a:r>
+              <a:rPr lang="en-US" dirty="0"/>
               <a:t>: </a:t>
             </a:r>
             <a:r>
@@ -27912,7 +27984,7 @@
               <a:rPr lang="en-US" sz="2000" dirty="0" err="1">
                 <a:cs typeface="Arial" panose="020B0604020202020204" pitchFamily="34" charset="0"/>
               </a:rPr>
-              <a:t>kệ</a:t>
+              <a:t>điểm</a:t>
             </a:r>
             <a:r>
               <a:rPr lang="en-US" sz="2000" dirty="0">
@@ -28166,7 +28238,13 @@
                                   <a:rPr lang="en-US" sz="2000" i="1" dirty="0">
                                     <a:latin typeface="Cambria Math" panose="02040503050406030204" pitchFamily="18" charset="0"/>
                                   </a:rPr>
-                                  <m:t>+1</m:t>
+                                  <m:t>+</m:t>
+                                </m:r>
+                                <m:r>
+                                  <a:rPr lang="en-US" sz="2000" i="1" dirty="0">
+                                    <a:latin typeface="Cambria Math" panose="02040503050406030204" pitchFamily="18" charset="0"/>
+                                  </a:rPr>
+                                  <m:t>1</m:t>
                                 </m:r>
                               </m:e>
                             </m:d>
@@ -28174,7 +28252,13 @@
                               <a:rPr lang="en-US" sz="2000" i="1" dirty="0">
                                 <a:latin typeface="Cambria Math" panose="02040503050406030204" pitchFamily="18" charset="0"/>
                               </a:rPr>
-                              <m:t>=1</m:t>
+                              <m:t>=</m:t>
+                            </m:r>
+                            <m:r>
+                              <a:rPr lang="en-US" sz="2000" i="1" dirty="0">
+                                <a:latin typeface="Cambria Math" panose="02040503050406030204" pitchFamily="18" charset="0"/>
+                              </a:rPr>
+                              <m:t>1</m:t>
                             </m:r>
                           </m:e>
                           <m:e>
@@ -28211,7 +28295,14 @@
                                 <a:latin typeface="Cambria Math" panose="02040503050406030204" pitchFamily="18" charset="0"/>
                                 <a:sym typeface="Wingdings" panose="05000000000000000000" pitchFamily="2" charset="2"/>
                               </a:rPr>
-                              <m:t>=0</m:t>
+                              <m:t>=</m:t>
+                            </m:r>
+                            <m:r>
+                              <a:rPr lang="en-US" sz="2000" i="1">
+                                <a:latin typeface="Cambria Math" panose="02040503050406030204" pitchFamily="18" charset="0"/>
+                                <a:sym typeface="Wingdings" panose="05000000000000000000" pitchFamily="2" charset="2"/>
+                              </a:rPr>
+                              <m:t>0</m:t>
                             </m:r>
                           </m:e>
                         </m:eqArr>
@@ -28689,7 +28780,29 @@
                         <a:cs typeface="Arial" panose="020B0604020202020204" pitchFamily="34" charset="0"/>
                         <a:sym typeface="Wingdings" panose="05000000000000000000" pitchFamily="2" charset="2"/>
                       </a:rPr>
-                      <m:t>= 2 </m:t>
+                      <m:t>= </m:t>
+                    </m:r>
+                    <m:r>
+                      <a:rPr lang="en-US" sz="2000" i="0" dirty="0" smtClean="0">
+                        <a:solidFill>
+                          <a:schemeClr val="tx1"/>
+                        </a:solidFill>
+                        <a:latin typeface="Cambria Math" panose="02040503050406030204" pitchFamily="18" charset="0"/>
+                        <a:cs typeface="Arial" panose="020B0604020202020204" pitchFamily="34" charset="0"/>
+                        <a:sym typeface="Wingdings" panose="05000000000000000000" pitchFamily="2" charset="2"/>
+                      </a:rPr>
+                      <m:t>2</m:t>
+                    </m:r>
+                    <m:r>
+                      <a:rPr lang="en-US" sz="2000" i="0" dirty="0" smtClean="0">
+                        <a:solidFill>
+                          <a:schemeClr val="tx1"/>
+                        </a:solidFill>
+                        <a:latin typeface="Cambria Math" panose="02040503050406030204" pitchFamily="18" charset="0"/>
+                        <a:cs typeface="Arial" panose="020B0604020202020204" pitchFamily="34" charset="0"/>
+                        <a:sym typeface="Wingdings" panose="05000000000000000000" pitchFamily="2" charset="2"/>
+                      </a:rPr>
+                      <m:t> </m:t>
                     </m:r>
                     <m:r>
                       <m:rPr>
@@ -28855,7 +28968,29 @@
                         <a:cs typeface="Arial" panose="020B0604020202020204" pitchFamily="34" charset="0"/>
                         <a:sym typeface="Wingdings" panose="05000000000000000000" pitchFamily="2" charset="2"/>
                       </a:rPr>
-                      <m:t>=1..</m:t>
+                      <m:t>=</m:t>
+                    </m:r>
+                    <m:r>
+                      <a:rPr lang="en-US" sz="2000" b="0" i="0" dirty="0" smtClean="0">
+                        <a:solidFill>
+                          <a:schemeClr val="tx1"/>
+                        </a:solidFill>
+                        <a:latin typeface="Cambria Math" panose="02040503050406030204" pitchFamily="18" charset="0"/>
+                        <a:cs typeface="Arial" panose="020B0604020202020204" pitchFamily="34" charset="0"/>
+                        <a:sym typeface="Wingdings" panose="05000000000000000000" pitchFamily="2" charset="2"/>
+                      </a:rPr>
+                      <m:t>1</m:t>
+                    </m:r>
+                    <m:r>
+                      <a:rPr lang="en-US" sz="2000" b="0" i="0" dirty="0" smtClean="0">
+                        <a:solidFill>
+                          <a:schemeClr val="tx1"/>
+                        </a:solidFill>
+                        <a:latin typeface="Cambria Math" panose="02040503050406030204" pitchFamily="18" charset="0"/>
+                        <a:cs typeface="Arial" panose="020B0604020202020204" pitchFamily="34" charset="0"/>
+                        <a:sym typeface="Wingdings" panose="05000000000000000000" pitchFamily="2" charset="2"/>
+                      </a:rPr>
+                      <m:t>..</m:t>
                     </m:r>
                     <m:r>
                       <m:rPr>
@@ -28880,7 +29015,29 @@
                         <a:cs typeface="Arial" panose="020B0604020202020204" pitchFamily="34" charset="0"/>
                         <a:sym typeface="Wingdings" panose="05000000000000000000" pitchFamily="2" charset="2"/>
                       </a:rPr>
-                      <m:t>+1,  </m:t>
+                      <m:t>+</m:t>
+                    </m:r>
+                    <m:r>
+                      <a:rPr lang="en-US" sz="2000" b="0" i="0" dirty="0" smtClean="0">
+                        <a:solidFill>
+                          <a:schemeClr val="tx1"/>
+                        </a:solidFill>
+                        <a:latin typeface="Cambria Math" panose="02040503050406030204" pitchFamily="18" charset="0"/>
+                        <a:cs typeface="Arial" panose="020B0604020202020204" pitchFamily="34" charset="0"/>
+                        <a:sym typeface="Wingdings" panose="05000000000000000000" pitchFamily="2" charset="2"/>
+                      </a:rPr>
+                      <m:t>1</m:t>
+                    </m:r>
+                    <m:r>
+                      <a:rPr lang="en-US" sz="2000" b="0" i="0" dirty="0" smtClean="0">
+                        <a:solidFill>
+                          <a:schemeClr val="tx1"/>
+                        </a:solidFill>
+                        <a:latin typeface="Cambria Math" panose="02040503050406030204" pitchFamily="18" charset="0"/>
+                        <a:cs typeface="Arial" panose="020B0604020202020204" pitchFamily="34" charset="0"/>
+                        <a:sym typeface="Wingdings" panose="05000000000000000000" pitchFamily="2" charset="2"/>
+                      </a:rPr>
+                      <m:t>,  </m:t>
                     </m:r>
                     <m:r>
                       <m:rPr>
@@ -29955,7 +30112,7 @@
           <p:nvPr>
             <p:extLst>
               <p:ext uri="{D42A27DB-BD31-4B8C-83A1-F6EECF244321}">
-                <p14:modId xmlns:p14="http://schemas.microsoft.com/office/powerpoint/2010/main" val="3567971939"/>
+                <p14:modId xmlns:p14="http://schemas.microsoft.com/office/powerpoint/2010/main" val="3400524431"/>
               </p:ext>
             </p:extLst>
           </p:nvPr>
@@ -31045,6 +31202,7 @@
                     <a:bodyPr/>
                     <a:lstStyle/>
                     <a:p>
+                      <a:pPr algn="ctr"/>
                       <a:r>
                         <a:rPr lang="en-US" sz="1400" dirty="0">
                           <a:solidFill>
@@ -32759,7 +32917,7 @@
               <a:rPr lang="en-US" sz="2000" dirty="0" err="1">
                 <a:cs typeface="Arial" panose="020B0604020202020204" pitchFamily="34" charset="0"/>
               </a:rPr>
-              <a:t>kệ</a:t>
+              <a:t>điểm</a:t>
             </a:r>
             <a:r>
               <a:rPr lang="en-US" sz="2000" dirty="0">
@@ -32855,7 +33013,7 @@
               <a:rPr lang="en-US" sz="2000" dirty="0" err="1">
                 <a:cs typeface="Arial" panose="020B0604020202020204" pitchFamily="34" charset="0"/>
               </a:rPr>
-              <a:t>kệ</a:t>
+              <a:t>điểm</a:t>
             </a:r>
             <a:r>
               <a:rPr lang="en-US" sz="2000" dirty="0">
@@ -33074,7 +33232,7 @@
               <a:rPr lang="en-US" sz="2000" dirty="0" err="1">
                 <a:cs typeface="Arial" panose="020B0604020202020204" pitchFamily="34" charset="0"/>
               </a:rPr>
-              <a:t>kệ</a:t>
+              <a:t>điểm</a:t>
             </a:r>
             <a:r>
               <a:rPr lang="en-US" sz="2000" dirty="0">

--- a/ttlkh.pptx
+++ b/ttlkh.pptx
@@ -4245,8 +4245,8 @@
           </a:p>
         </p:txBody>
       </p:sp>
-      <mc:AlternateContent xmlns:mc="http://schemas.openxmlformats.org/markup-compatibility/2006">
-        <mc:Choice xmlns:a14="http://schemas.microsoft.com/office/drawing/2010/main" Requires="a14">
+      <mc:AlternateContent xmlns:mc="http://schemas.openxmlformats.org/markup-compatibility/2006" xmlns:a14="http://schemas.microsoft.com/office/drawing/2010/main">
+        <mc:Choice Requires="a14">
           <p:sp>
             <p:nvSpPr>
               <p:cNvPr id="3" name="Chỗ dành sẵn cho Nội dung 2">
@@ -5727,7 +5727,7 @@
             </p:txBody>
           </p:sp>
         </mc:Choice>
-        <mc:Fallback>
+        <mc:Fallback xmlns="">
           <p:sp>
             <p:nvSpPr>
               <p:cNvPr id="3" name="Chỗ dành sẵn cho Nội dung 2">
@@ -5825,8 +5825,8 @@
           </a:p>
         </p:txBody>
       </p:sp>
-      <mc:AlternateContent xmlns:mc="http://schemas.openxmlformats.org/markup-compatibility/2006">
-        <mc:Choice xmlns:a14="http://schemas.microsoft.com/office/drawing/2010/main" Requires="a14">
+      <mc:AlternateContent xmlns:mc="http://schemas.openxmlformats.org/markup-compatibility/2006" xmlns:a14="http://schemas.microsoft.com/office/drawing/2010/main">
+        <mc:Choice Requires="a14">
           <p:sp>
             <p:nvSpPr>
               <p:cNvPr id="3" name="Chỗ dành sẵn cho Nội dung 2">
@@ -7760,7 +7760,7 @@
             </p:txBody>
           </p:sp>
         </mc:Choice>
-        <mc:Fallback>
+        <mc:Fallback xmlns="">
           <p:sp>
             <p:nvSpPr>
               <p:cNvPr id="3" name="Chỗ dành sẵn cho Nội dung 2">
@@ -7989,21 +7989,21 @@
                         <a:latin typeface="Cambria Math" panose="02040503050406030204" pitchFamily="18" charset="0"/>
                         <a:cs typeface="Arial" panose="020B0604020202020204" pitchFamily="34" charset="0"/>
                       </a:rPr>
-                      <m:t>= 1 </m:t>
-                    </m:r>
-                    <m:r>
-                      <a:rPr lang="en-US" sz="2000" b="0" i="1" dirty="0" smtClean="0">
-                        <a:latin typeface="Cambria Math" panose="02040503050406030204" pitchFamily="18" charset="0"/>
-                        <a:cs typeface="Arial" panose="020B0604020202020204" pitchFamily="34" charset="0"/>
-                      </a:rPr>
-                      <m:t>→</m:t>
+                      <m:t>= </m:t>
                     </m:r>
                     <m:r>
                       <a:rPr lang="en-US" sz="2000" i="1" dirty="0">
                         <a:latin typeface="Cambria Math" panose="02040503050406030204" pitchFamily="18" charset="0"/>
                         <a:cs typeface="Arial" panose="020B0604020202020204" pitchFamily="34" charset="0"/>
                       </a:rPr>
-                      <m:t> </m:t>
+                      <m:t>1</m:t>
+                    </m:r>
+                    <m:r>
+                      <a:rPr lang="en-US" sz="2000" i="1" dirty="0">
+                        <a:latin typeface="Cambria Math" panose="02040503050406030204" pitchFamily="18" charset="0"/>
+                        <a:cs typeface="Arial" panose="020B0604020202020204" pitchFamily="34" charset="0"/>
+                      </a:rPr>
+                      <m:t> → </m:t>
                     </m:r>
                     <m:r>
                       <a:rPr lang="en-US" sz="2000" i="1" dirty="0">
@@ -8282,7 +8282,16 @@
                                     </a:solidFill>
                                     <a:latin typeface="Cambria Math" panose="02040503050406030204" pitchFamily="18" charset="0"/>
                                   </a:rPr>
-                                  <m:t>1−</m:t>
+                                  <m:t>1</m:t>
+                                </m:r>
+                                <m:r>
+                                  <a:rPr lang="en-US" sz="2000" b="0" i="1" dirty="0" smtClean="0">
+                                    <a:solidFill>
+                                      <a:schemeClr val="tx1"/>
+                                    </a:solidFill>
+                                    <a:latin typeface="Cambria Math" panose="02040503050406030204" pitchFamily="18" charset="0"/>
+                                  </a:rPr>
+                                  <m:t>−</m:t>
                                 </m:r>
                                 <m:r>
                                   <a:rPr lang="en-US" sz="2000" b="0" i="1" dirty="0" smtClean="0">
@@ -8524,7 +8533,13 @@
                                   <a:rPr lang="en-US" sz="2000" b="0" i="1" dirty="0" smtClean="0">
                                     <a:latin typeface="Cambria Math" panose="02040503050406030204" pitchFamily="18" charset="0"/>
                                   </a:rPr>
-                                  <m:t>−1</m:t>
+                                  <m:t>−</m:t>
+                                </m:r>
+                                <m:r>
+                                  <a:rPr lang="en-US" sz="2000" b="0" i="1" dirty="0" smtClean="0">
+                                    <a:latin typeface="Cambria Math" panose="02040503050406030204" pitchFamily="18" charset="0"/>
+                                  </a:rPr>
+                                  <m:t>1</m:t>
                                 </m:r>
                               </m:e>
                             </m:d>
@@ -8876,7 +8891,14 @@
                             <a:latin typeface="Cambria Math" panose="02040503050406030204" pitchFamily="18" charset="0"/>
                             <a:sym typeface="Wingdings" panose="05000000000000000000" pitchFamily="2" charset="2"/>
                           </a:rPr>
-                          <m:t>=1</m:t>
+                          <m:t>=</m:t>
+                        </m:r>
+                        <m:r>
+                          <a:rPr lang="en-US" sz="2000" i="1">
+                            <a:latin typeface="Cambria Math" panose="02040503050406030204" pitchFamily="18" charset="0"/>
+                            <a:sym typeface="Wingdings" panose="05000000000000000000" pitchFamily="2" charset="2"/>
+                          </a:rPr>
+                          <m:t>1</m:t>
                         </m:r>
                       </m:sub>
                       <m:sup>
@@ -9180,7 +9202,14 @@
                             <a:latin typeface="Cambria Math" panose="02040503050406030204" pitchFamily="18" charset="0"/>
                             <a:cs typeface="Arial" panose="020B0604020202020204" pitchFamily="34" charset="0"/>
                           </a:rPr>
-                          <m:t>=0</m:t>
+                          <m:t>=</m:t>
+                        </m:r>
+                        <m:r>
+                          <a:rPr lang="en-US" sz="2000" b="0" i="1" smtClean="0">
+                            <a:latin typeface="Cambria Math" panose="02040503050406030204" pitchFamily="18" charset="0"/>
+                            <a:cs typeface="Arial" panose="020B0604020202020204" pitchFamily="34" charset="0"/>
+                          </a:rPr>
+                          <m:t>0</m:t>
                         </m:r>
                       </m:sub>
                       <m:sup>
@@ -9196,7 +9225,14 @@
                             <a:latin typeface="Cambria Math" panose="02040503050406030204" pitchFamily="18" charset="0"/>
                             <a:cs typeface="Arial" panose="020B0604020202020204" pitchFamily="34" charset="0"/>
                           </a:rPr>
-                          <m:t>+1</m:t>
+                          <m:t>+</m:t>
+                        </m:r>
+                        <m:r>
+                          <a:rPr lang="en-US" sz="2000" b="0" i="1" smtClean="0">
+                            <a:latin typeface="Cambria Math" panose="02040503050406030204" pitchFamily="18" charset="0"/>
+                            <a:cs typeface="Arial" panose="020B0604020202020204" pitchFamily="34" charset="0"/>
+                          </a:rPr>
+                          <m:t>1</m:t>
                         </m:r>
                       </m:sup>
                       <m:e>
@@ -9250,7 +9286,14 @@
                                 <a:latin typeface="Cambria Math" panose="02040503050406030204" pitchFamily="18" charset="0"/>
                                 <a:cs typeface="Arial" panose="020B0604020202020204" pitchFamily="34" charset="0"/>
                               </a:rPr>
-                              <m:t>+1</m:t>
+                              <m:t>+</m:t>
+                            </m:r>
+                            <m:r>
+                              <a:rPr lang="en-US" sz="2000" b="0" i="1" smtClean="0">
+                                <a:latin typeface="Cambria Math" panose="02040503050406030204" pitchFamily="18" charset="0"/>
+                                <a:cs typeface="Arial" panose="020B0604020202020204" pitchFamily="34" charset="0"/>
+                              </a:rPr>
+                              <m:t>1</m:t>
                             </m:r>
                           </m:sup>
                           <m:e>
@@ -9406,7 +9449,7 @@
                         <a:latin typeface="Cambria Math" panose="02040503050406030204" pitchFamily="18" charset="0"/>
                         <a:cs typeface="Arial" panose="020B0604020202020204" pitchFamily="34" charset="0"/>
                       </a:rPr>
-                      <m:t>  </m:t>
+                      <m:t> → </m:t>
                     </m:r>
                     <m:r>
                       <m:rPr>
@@ -28238,13 +28281,7 @@
                                   <a:rPr lang="en-US" sz="2000" i="1" dirty="0">
                                     <a:latin typeface="Cambria Math" panose="02040503050406030204" pitchFamily="18" charset="0"/>
                                   </a:rPr>
-                                  <m:t>+</m:t>
-                                </m:r>
-                                <m:r>
-                                  <a:rPr lang="en-US" sz="2000" i="1" dirty="0">
-                                    <a:latin typeface="Cambria Math" panose="02040503050406030204" pitchFamily="18" charset="0"/>
-                                  </a:rPr>
-                                  <m:t>1</m:t>
+                                  <m:t>+1</m:t>
                                 </m:r>
                               </m:e>
                             </m:d>
@@ -28252,13 +28289,7 @@
                               <a:rPr lang="en-US" sz="2000" i="1" dirty="0">
                                 <a:latin typeface="Cambria Math" panose="02040503050406030204" pitchFamily="18" charset="0"/>
                               </a:rPr>
-                              <m:t>=</m:t>
-                            </m:r>
-                            <m:r>
-                              <a:rPr lang="en-US" sz="2000" i="1" dirty="0">
-                                <a:latin typeface="Cambria Math" panose="02040503050406030204" pitchFamily="18" charset="0"/>
-                              </a:rPr>
-                              <m:t>1</m:t>
+                              <m:t>=1</m:t>
                             </m:r>
                           </m:e>
                           <m:e>
@@ -28295,14 +28326,7 @@
                                 <a:latin typeface="Cambria Math" panose="02040503050406030204" pitchFamily="18" charset="0"/>
                                 <a:sym typeface="Wingdings" panose="05000000000000000000" pitchFamily="2" charset="2"/>
                               </a:rPr>
-                              <m:t>=</m:t>
-                            </m:r>
-                            <m:r>
-                              <a:rPr lang="en-US" sz="2000" i="1">
-                                <a:latin typeface="Cambria Math" panose="02040503050406030204" pitchFamily="18" charset="0"/>
-                                <a:sym typeface="Wingdings" panose="05000000000000000000" pitchFamily="2" charset="2"/>
-                              </a:rPr>
-                              <m:t>0</m:t>
+                              <m:t>=0</m:t>
                             </m:r>
                           </m:e>
                         </m:eqArr>
@@ -28780,29 +28804,7 @@
                         <a:cs typeface="Arial" panose="020B0604020202020204" pitchFamily="34" charset="0"/>
                         <a:sym typeface="Wingdings" panose="05000000000000000000" pitchFamily="2" charset="2"/>
                       </a:rPr>
-                      <m:t>= </m:t>
-                    </m:r>
-                    <m:r>
-                      <a:rPr lang="en-US" sz="2000" i="0" dirty="0" smtClean="0">
-                        <a:solidFill>
-                          <a:schemeClr val="tx1"/>
-                        </a:solidFill>
-                        <a:latin typeface="Cambria Math" panose="02040503050406030204" pitchFamily="18" charset="0"/>
-                        <a:cs typeface="Arial" panose="020B0604020202020204" pitchFamily="34" charset="0"/>
-                        <a:sym typeface="Wingdings" panose="05000000000000000000" pitchFamily="2" charset="2"/>
-                      </a:rPr>
-                      <m:t>2</m:t>
-                    </m:r>
-                    <m:r>
-                      <a:rPr lang="en-US" sz="2000" i="0" dirty="0" smtClean="0">
-                        <a:solidFill>
-                          <a:schemeClr val="tx1"/>
-                        </a:solidFill>
-                        <a:latin typeface="Cambria Math" panose="02040503050406030204" pitchFamily="18" charset="0"/>
-                        <a:cs typeface="Arial" panose="020B0604020202020204" pitchFamily="34" charset="0"/>
-                        <a:sym typeface="Wingdings" panose="05000000000000000000" pitchFamily="2" charset="2"/>
-                      </a:rPr>
-                      <m:t> </m:t>
+                      <m:t>= 2 </m:t>
                     </m:r>
                     <m:r>
                       <m:rPr>
@@ -28968,29 +28970,7 @@
                         <a:cs typeface="Arial" panose="020B0604020202020204" pitchFamily="34" charset="0"/>
                         <a:sym typeface="Wingdings" panose="05000000000000000000" pitchFamily="2" charset="2"/>
                       </a:rPr>
-                      <m:t>=</m:t>
-                    </m:r>
-                    <m:r>
-                      <a:rPr lang="en-US" sz="2000" b="0" i="0" dirty="0" smtClean="0">
-                        <a:solidFill>
-                          <a:schemeClr val="tx1"/>
-                        </a:solidFill>
-                        <a:latin typeface="Cambria Math" panose="02040503050406030204" pitchFamily="18" charset="0"/>
-                        <a:cs typeface="Arial" panose="020B0604020202020204" pitchFamily="34" charset="0"/>
-                        <a:sym typeface="Wingdings" panose="05000000000000000000" pitchFamily="2" charset="2"/>
-                      </a:rPr>
-                      <m:t>1</m:t>
-                    </m:r>
-                    <m:r>
-                      <a:rPr lang="en-US" sz="2000" b="0" i="0" dirty="0" smtClean="0">
-                        <a:solidFill>
-                          <a:schemeClr val="tx1"/>
-                        </a:solidFill>
-                        <a:latin typeface="Cambria Math" panose="02040503050406030204" pitchFamily="18" charset="0"/>
-                        <a:cs typeface="Arial" panose="020B0604020202020204" pitchFamily="34" charset="0"/>
-                        <a:sym typeface="Wingdings" panose="05000000000000000000" pitchFamily="2" charset="2"/>
-                      </a:rPr>
-                      <m:t>..</m:t>
+                      <m:t>=1..</m:t>
                     </m:r>
                     <m:r>
                       <m:rPr>
@@ -29015,29 +28995,7 @@
                         <a:cs typeface="Arial" panose="020B0604020202020204" pitchFamily="34" charset="0"/>
                         <a:sym typeface="Wingdings" panose="05000000000000000000" pitchFamily="2" charset="2"/>
                       </a:rPr>
-                      <m:t>+</m:t>
-                    </m:r>
-                    <m:r>
-                      <a:rPr lang="en-US" sz="2000" b="0" i="0" dirty="0" smtClean="0">
-                        <a:solidFill>
-                          <a:schemeClr val="tx1"/>
-                        </a:solidFill>
-                        <a:latin typeface="Cambria Math" panose="02040503050406030204" pitchFamily="18" charset="0"/>
-                        <a:cs typeface="Arial" panose="020B0604020202020204" pitchFamily="34" charset="0"/>
-                        <a:sym typeface="Wingdings" panose="05000000000000000000" pitchFamily="2" charset="2"/>
-                      </a:rPr>
-                      <m:t>1</m:t>
-                    </m:r>
-                    <m:r>
-                      <a:rPr lang="en-US" sz="2000" b="0" i="0" dirty="0" smtClean="0">
-                        <a:solidFill>
-                          <a:schemeClr val="tx1"/>
-                        </a:solidFill>
-                        <a:latin typeface="Cambria Math" panose="02040503050406030204" pitchFamily="18" charset="0"/>
-                        <a:cs typeface="Arial" panose="020B0604020202020204" pitchFamily="34" charset="0"/>
-                        <a:sym typeface="Wingdings" panose="05000000000000000000" pitchFamily="2" charset="2"/>
-                      </a:rPr>
-                      <m:t>,  </m:t>
+                      <m:t>+1,  </m:t>
                     </m:r>
                     <m:r>
                       <m:rPr>
